--- a/digital-logic/documents/.hidden/Introduction to Digitial.pptx
+++ b/digital-logic/documents/.hidden/Introduction to Digitial.pptx
@@ -6927,7 +6927,11 @@
             </a:pPr>
             <a:r>
               <a:rPr lang="en" dirty="0"/>
-              <a:t>2 weeks followed by Quiz #2</a:t>
+              <a:t>2 weeks followed by </a:t>
+            </a:r>
+            <a:r>
+              <a:rPr lang="en"/>
+              <a:t>Quiz #3</a:t>
             </a:r>
             <a:br>
               <a:rPr lang="en" dirty="0"/>

--- a/digital-logic/documents/.hidden/Introduction to Digitial.pptx
+++ b/digital-logic/documents/.hidden/Introduction to Digitial.pptx
@@ -6927,11 +6927,7 @@
             </a:pPr>
             <a:r>
               <a:rPr lang="en" dirty="0"/>
-              <a:t>2 weeks followed by </a:t>
-            </a:r>
-            <a:r>
-              <a:rPr lang="en"/>
-              <a:t>Quiz #3</a:t>
+              <a:t>2 weeks followed by Quiz #3</a:t>
             </a:r>
             <a:br>
               <a:rPr lang="en" dirty="0"/>
@@ -7127,7 +7123,7 @@
         </p:spPr>
         <p:txBody>
           <a:bodyPr spcFirstLastPara="1" wrap="square" lIns="91425" tIns="91425" rIns="91425" bIns="91425" anchor="t" anchorCtr="0">
-            <a:normAutofit fontScale="92500"/>
+            <a:normAutofit fontScale="92500" lnSpcReduction="10000"/>
           </a:bodyPr>
           <a:lstStyle/>
           <a:p>
@@ -7679,7 +7675,7 @@
         </p:spPr>
         <p:txBody>
           <a:bodyPr spcFirstLastPara="1" wrap="square" lIns="91425" tIns="91425" rIns="91425" bIns="91425" anchor="t" anchorCtr="0">
-            <a:normAutofit/>
+            <a:normAutofit fontScale="92500" lnSpcReduction="10000"/>
           </a:bodyPr>
           <a:lstStyle/>
           <a:p>
@@ -7693,38 +7689,20 @@
               <a:buSzPts val="1400"/>
               <a:buChar char="●"/>
             </a:pPr>
-            <a:r>
-              <a:rPr lang="en" sz="1400"/>
-              <a:t>Karnaugh Map: for two variables</a:t>
-            </a:r>
-            <a:br>
-              <a:rPr lang="en" sz="1400"/>
-            </a:br>
-            <a:br>
-              <a:rPr lang="en" sz="1400"/>
-            </a:br>
-            <a:br>
-              <a:rPr lang="en" sz="1400"/>
-            </a:br>
-            <a:br>
-              <a:rPr lang="en" sz="1400"/>
-            </a:br>
-            <a:br>
-              <a:rPr lang="en" sz="1400"/>
-            </a:br>
-            <a:br>
-              <a:rPr lang="en" sz="1400"/>
-            </a:br>
-            <a:br>
-              <a:rPr lang="en" sz="1400"/>
-            </a:br>
-            <a:br>
-              <a:rPr lang="en" sz="1400"/>
-            </a:br>
-            <a:br>
-              <a:rPr lang="en" sz="1400"/>
-            </a:br>
-            <a:endParaRPr sz="1400"/>
+            <a:endParaRPr lang="en" sz="1400" dirty="0"/>
+          </a:p>
+          <a:p>
+            <a:pPr marL="457200" lvl="0" indent="-317500" algn="l" rtl="0">
+              <a:spcBef>
+                <a:spcPts val="0"/>
+              </a:spcBef>
+              <a:spcAft>
+                <a:spcPts val="0"/>
+              </a:spcAft>
+              <a:buSzPts val="1400"/>
+              <a:buChar char="●"/>
+            </a:pPr>
+            <a:endParaRPr lang="en" sz="1400" dirty="0"/>
           </a:p>
           <a:p>
             <a:pPr marL="457200" lvl="0" indent="-317500" algn="l" rtl="0">
@@ -7738,10 +7716,37 @@
               <a:buChar char="●"/>
             </a:pPr>
             <a:r>
-              <a:rPr lang="en" sz="1400"/>
-              <a:t>Find groups that contain only 1s</a:t>
+              <a:rPr lang="en" sz="1400" dirty="0"/>
+              <a:t>Karnaugh Map: for two variables</a:t>
             </a:r>
-            <a:endParaRPr sz="1400"/>
+            <a:br>
+              <a:rPr lang="en" sz="1400" dirty="0"/>
+            </a:br>
+            <a:br>
+              <a:rPr lang="en" sz="1400" dirty="0"/>
+            </a:br>
+            <a:br>
+              <a:rPr lang="en" sz="1400" dirty="0"/>
+            </a:br>
+            <a:br>
+              <a:rPr lang="en" sz="1400" dirty="0"/>
+            </a:br>
+            <a:br>
+              <a:rPr lang="en" sz="1400" dirty="0"/>
+            </a:br>
+            <a:br>
+              <a:rPr lang="en" sz="1400" dirty="0"/>
+            </a:br>
+            <a:br>
+              <a:rPr lang="en" sz="1400" dirty="0"/>
+            </a:br>
+            <a:br>
+              <a:rPr lang="en" sz="1400" dirty="0"/>
+            </a:br>
+            <a:br>
+              <a:rPr lang="en" sz="1400" dirty="0"/>
+            </a:br>
+            <a:endParaRPr sz="1400" dirty="0"/>
           </a:p>
           <a:p>
             <a:pPr marL="457200" lvl="0" indent="-317500" algn="l" rtl="0">
@@ -7755,10 +7760,10 @@
               <a:buChar char="●"/>
             </a:pPr>
             <a:r>
-              <a:rPr lang="en" sz="1400"/>
-              <a:t>Group size must be in power of two (1, 2, 4, 8)</a:t>
+              <a:rPr lang="en" sz="1400" dirty="0"/>
+              <a:t>Find groups that contain only 1s</a:t>
             </a:r>
-            <a:endParaRPr sz="1400"/>
+            <a:endParaRPr sz="1400" dirty="0"/>
           </a:p>
           <a:p>
             <a:pPr marL="457200" lvl="0" indent="-317500" algn="l" rtl="0">
@@ -7772,10 +7777,27 @@
               <a:buChar char="●"/>
             </a:pPr>
             <a:r>
-              <a:rPr lang="en" sz="1400"/>
+              <a:rPr lang="en" sz="1400" dirty="0"/>
+              <a:t>Group size must be in power of two (1, 2, 4, 8)</a:t>
+            </a:r>
+            <a:endParaRPr sz="1400" dirty="0"/>
+          </a:p>
+          <a:p>
+            <a:pPr marL="457200" lvl="0" indent="-317500" algn="l" rtl="0">
+              <a:spcBef>
+                <a:spcPts val="0"/>
+              </a:spcBef>
+              <a:spcAft>
+                <a:spcPts val="0"/>
+              </a:spcAft>
+              <a:buSzPts val="1400"/>
+              <a:buChar char="●"/>
+            </a:pPr>
+            <a:r>
+              <a:rPr lang="en" sz="1400" dirty="0"/>
               <a:t>R = B</a:t>
             </a:r>
-            <a:endParaRPr sz="1400"/>
+            <a:endParaRPr sz="1400" dirty="0"/>
           </a:p>
         </p:txBody>
       </p:sp>
@@ -7814,10 +7836,10 @@
               <a:buNone/>
             </a:pPr>
             <a:r>
-              <a:rPr lang="en"/>
+              <a:rPr lang="en" dirty="0"/>
               <a:t>Karnaugh Map</a:t>
             </a:r>
-            <a:endParaRPr/>
+            <a:endParaRPr dirty="0"/>
           </a:p>
         </p:txBody>
       </p:sp>
@@ -10126,6 +10148,74 @@
               <a:buNone/>
             </a:pPr>
             <a:endParaRPr/>
+          </a:p>
+        </p:txBody>
+      </p:sp>
+      <p:pic>
+        <p:nvPicPr>
+          <p:cNvPr id="2" name="Google Shape;62;p14">
+            <a:extLst>
+              <a:ext uri="{FF2B5EF4-FFF2-40B4-BE49-F238E27FC236}">
+                <a16:creationId xmlns:a16="http://schemas.microsoft.com/office/drawing/2014/main" id="{5BFBB22B-9F84-D2B2-EB79-441D31174A53}"/>
+              </a:ext>
+            </a:extLst>
+          </p:cNvPr>
+          <p:cNvPicPr preferRelativeResize="0"/>
+          <p:nvPr/>
+        </p:nvPicPr>
+        <p:blipFill rotWithShape="1">
+          <a:blip r:embed="rId3">
+            <a:alphaModFix/>
+          </a:blip>
+          <a:srcRect l="3546" t="11524" r="11404" b="11339"/>
+          <a:stretch/>
+        </p:blipFill>
+        <p:spPr>
+          <a:xfrm>
+            <a:off x="7649935" y="320558"/>
+            <a:ext cx="1273629" cy="1369449"/>
+          </a:xfrm>
+          <a:prstGeom prst="rect">
+            <a:avLst/>
+          </a:prstGeom>
+          <a:noFill/>
+          <a:ln>
+            <a:noFill/>
+          </a:ln>
+        </p:spPr>
+      </p:pic>
+      <p:sp>
+        <p:nvSpPr>
+          <p:cNvPr id="3" name="TextBox 2">
+            <a:extLst>
+              <a:ext uri="{FF2B5EF4-FFF2-40B4-BE49-F238E27FC236}">
+                <a16:creationId xmlns:a16="http://schemas.microsoft.com/office/drawing/2014/main" id="{C306D1E9-3C60-E165-B652-EC48B5DF24B1}"/>
+              </a:ext>
+            </a:extLst>
+          </p:cNvPr>
+          <p:cNvSpPr txBox="1"/>
+          <p:nvPr/>
+        </p:nvSpPr>
+        <p:spPr>
+          <a:xfrm>
+            <a:off x="7282543" y="12728"/>
+            <a:ext cx="1935145" cy="307777"/>
+          </a:xfrm>
+          <a:prstGeom prst="rect">
+            <a:avLst/>
+          </a:prstGeom>
+          <a:noFill/>
+        </p:spPr>
+        <p:txBody>
+          <a:bodyPr wrap="none" rtlCol="0">
+            <a:spAutoFit/>
+          </a:bodyPr>
+          <a:lstStyle/>
+          <a:p>
+            <a:r>
+              <a:rPr lang="en-US" dirty="0"/>
+              <a:t>base 10 addition table</a:t>
+            </a:r>
           </a:p>
         </p:txBody>
       </p:sp>
@@ -18340,7 +18430,7 @@
         </p:spPr>
         <p:txBody>
           <a:bodyPr spcFirstLastPara="1" wrap="square" lIns="91425" tIns="91425" rIns="91425" bIns="91425" anchor="t" anchorCtr="0">
-            <a:normAutofit fontScale="92500"/>
+            <a:normAutofit fontScale="92500" lnSpcReduction="20000"/>
           </a:bodyPr>
           <a:lstStyle/>
           <a:p>
@@ -20234,7 +20324,7 @@
         </p:nvSpPr>
         <p:spPr>
           <a:xfrm>
-            <a:off x="467850" y="3209398"/>
+            <a:off x="562550" y="3234028"/>
             <a:ext cx="4546800" cy="1854406"/>
           </a:xfrm>
           <a:prstGeom prst="rect">
